--- a/Cryptovandals NFT Hack Presentation.pptx
+++ b/Cryptovandals NFT Hack Presentation.pptx
@@ -893,6 +893,30 @@
               </a:rPr>
               <a:t> </a:t>
             </a:r>
+            <a:br>
+              <a:rPr lang="en-GB">
+                <a:solidFill>
+                  <a:schemeClr val="dk1"/>
+                </a:solidFill>
+              </a:rPr>
+            </a:br>
+            <a:r>
+              <a:rPr lang="en-GB" u="sng">
+                <a:solidFill>
+                  <a:schemeClr val="hlink"/>
+                </a:solidFill>
+                <a:hlinkClick r:id="rId3"/>
+              </a:rPr>
+              <a:t>https://twitter.com/cryptovandals</a:t>
+            </a:r>
+            <a:r>
+              <a:rPr lang="en-GB">
+                <a:solidFill>
+                  <a:schemeClr val="dk1"/>
+                </a:solidFill>
+              </a:rPr>
+              <a:t> </a:t>
+            </a:r>
             <a:endParaRPr>
               <a:solidFill>
                 <a:schemeClr val="dk1"/>
@@ -981,7 +1005,7 @@
                 <a:solidFill>
                   <a:schemeClr val="hlink"/>
                 </a:solidFill>
-                <a:hlinkClick r:id="rId3"/>
+                <a:hlinkClick r:id="rId4"/>
               </a:rPr>
               <a:t>https://docs.google.com/presentation/d/1chZMI_m_qRZDYNlmE3ic9zPSA3U_md0vNbWYdlkBBJg/edit?usp=sharing</a:t>
             </a:r>
@@ -9156,7 +9180,7 @@
         <p:spPr>
           <a:xfrm>
             <a:off x="344250" y="3550650"/>
-            <a:ext cx="5040900" cy="577800"/>
+            <a:ext cx="5040900" cy="1002300"/>
           </a:xfrm>
           <a:prstGeom prst="rect">
             <a:avLst/>
@@ -9180,6 +9204,22 @@
             <a:r>
               <a:rPr lang="en-GB"/>
               <a:t>Liberate your NFTs</a:t>
+            </a:r>
+            <a:endParaRPr/>
+          </a:p>
+          <a:p>
+            <a:pPr indent="0" lvl="0" marL="0" rtl="0" algn="l">
+              <a:spcBef>
+                <a:spcPts val="0"/>
+              </a:spcBef>
+              <a:spcAft>
+                <a:spcPts val="0"/>
+              </a:spcAft>
+              <a:buNone/>
+            </a:pPr>
+            <a:r>
+              <a:rPr lang="en-GB"/>
+              <a:t>cryptovandals.com</a:t>
             </a:r>
             <a:endParaRPr/>
           </a:p>
